--- a/Presentation.pptx
+++ b/Presentation.pptx
@@ -177,6 +177,160 @@
       </pc:sldChg>
     </pc:docChg>
   </pc:docChgLst>
+  <pc:docChgLst>
+    <pc:chgData name="Ioana Platon" userId="18b0f7fbbefdf8fb" providerId="LiveId" clId="{89084985-5EC9-44C7-8B97-02A0B3B795B9}"/>
+    <pc:docChg chg="undo custSel addSld delSld modSld">
+      <pc:chgData name="Ioana Platon" userId="18b0f7fbbefdf8fb" providerId="LiveId" clId="{89084985-5EC9-44C7-8B97-02A0B3B795B9}" dt="2024-08-03T14:13:58.045" v="486" actId="20577"/>
+      <pc:docMkLst>
+        <pc:docMk/>
+      </pc:docMkLst>
+      <pc:sldChg chg="modSp mod">
+        <pc:chgData name="Ioana Platon" userId="18b0f7fbbefdf8fb" providerId="LiveId" clId="{89084985-5EC9-44C7-8B97-02A0B3B795B9}" dt="2024-08-03T14:03:24.340" v="106" actId="6549"/>
+        <pc:sldMkLst>
+          <pc:docMk/>
+          <pc:sldMk cId="1460159330" sldId="359"/>
+        </pc:sldMkLst>
+        <pc:spChg chg="mod">
+          <ac:chgData name="Ioana Platon" userId="18b0f7fbbefdf8fb" providerId="LiveId" clId="{89084985-5EC9-44C7-8B97-02A0B3B795B9}" dt="2024-08-03T14:03:24.340" v="106" actId="6549"/>
+          <ac:spMkLst>
+            <pc:docMk/>
+            <pc:sldMk cId="1460159330" sldId="359"/>
+            <ac:spMk id="31" creationId="{F1239C0E-3F39-787D-0FC3-6B7C9BA37E8F}"/>
+          </ac:spMkLst>
+        </pc:spChg>
+        <pc:picChg chg="mod">
+          <ac:chgData name="Ioana Platon" userId="18b0f7fbbefdf8fb" providerId="LiveId" clId="{89084985-5EC9-44C7-8B97-02A0B3B795B9}" dt="2024-08-03T13:54:07.156" v="18" actId="208"/>
+          <ac:picMkLst>
+            <pc:docMk/>
+            <pc:sldMk cId="1460159330" sldId="359"/>
+            <ac:picMk id="3" creationId="{3A576D96-680B-2BB7-493C-5C06C6CE61F9}"/>
+          </ac:picMkLst>
+        </pc:picChg>
+      </pc:sldChg>
+      <pc:sldChg chg="modSp mod">
+        <pc:chgData name="Ioana Platon" userId="18b0f7fbbefdf8fb" providerId="LiveId" clId="{89084985-5EC9-44C7-8B97-02A0B3B795B9}" dt="2024-08-03T13:53:51.098" v="17" actId="208"/>
+        <pc:sldMkLst>
+          <pc:docMk/>
+          <pc:sldMk cId="1397193754" sldId="373"/>
+        </pc:sldMkLst>
+        <pc:picChg chg="mod">
+          <ac:chgData name="Ioana Platon" userId="18b0f7fbbefdf8fb" providerId="LiveId" clId="{89084985-5EC9-44C7-8B97-02A0B3B795B9}" dt="2024-08-03T13:53:51.098" v="17" actId="208"/>
+          <ac:picMkLst>
+            <pc:docMk/>
+            <pc:sldMk cId="1397193754" sldId="373"/>
+            <ac:picMk id="6" creationId="{00422618-F9B7-21E4-7BEA-8338F411EFF6}"/>
+          </ac:picMkLst>
+        </pc:picChg>
+      </pc:sldChg>
+      <pc:sldChg chg="modSp mod">
+        <pc:chgData name="Ioana Platon" userId="18b0f7fbbefdf8fb" providerId="LiveId" clId="{89084985-5EC9-44C7-8B97-02A0B3B795B9}" dt="2024-08-03T14:11:46.089" v="453" actId="207"/>
+        <pc:sldMkLst>
+          <pc:docMk/>
+          <pc:sldMk cId="2170071140" sldId="379"/>
+        </pc:sldMkLst>
+        <pc:spChg chg="mod">
+          <ac:chgData name="Ioana Platon" userId="18b0f7fbbefdf8fb" providerId="LiveId" clId="{89084985-5EC9-44C7-8B97-02A0B3B795B9}" dt="2024-08-03T14:11:46.089" v="453" actId="207"/>
+          <ac:spMkLst>
+            <pc:docMk/>
+            <pc:sldMk cId="2170071140" sldId="379"/>
+            <ac:spMk id="13" creationId="{4D45BEF3-11A3-1DD7-2FBD-7AD7875B5DB0}"/>
+          </ac:spMkLst>
+        </pc:spChg>
+        <pc:picChg chg="mod">
+          <ac:chgData name="Ioana Platon" userId="18b0f7fbbefdf8fb" providerId="LiveId" clId="{89084985-5EC9-44C7-8B97-02A0B3B795B9}" dt="2024-08-03T13:54:42.993" v="22" actId="208"/>
+          <ac:picMkLst>
+            <pc:docMk/>
+            <pc:sldMk cId="2170071140" sldId="379"/>
+            <ac:picMk id="15" creationId="{86347072-678B-C6F3-9659-4E6B48266E03}"/>
+          </ac:picMkLst>
+        </pc:picChg>
+      </pc:sldChg>
+      <pc:sldChg chg="delSp modSp add del mod">
+        <pc:chgData name="Ioana Platon" userId="18b0f7fbbefdf8fb" providerId="LiveId" clId="{89084985-5EC9-44C7-8B97-02A0B3B795B9}" dt="2024-08-03T14:13:58.045" v="486" actId="20577"/>
+        <pc:sldMkLst>
+          <pc:docMk/>
+          <pc:sldMk cId="79695288" sldId="380"/>
+        </pc:sldMkLst>
+        <pc:spChg chg="mod">
+          <ac:chgData name="Ioana Platon" userId="18b0f7fbbefdf8fb" providerId="LiveId" clId="{89084985-5EC9-44C7-8B97-02A0B3B795B9}" dt="2024-08-03T14:01:34.053" v="28" actId="6549"/>
+          <ac:spMkLst>
+            <pc:docMk/>
+            <pc:sldMk cId="79695288" sldId="380"/>
+            <ac:spMk id="2" creationId="{A2DE810E-8E37-1D8A-245B-020E4E4C0B9F}"/>
+          </ac:spMkLst>
+        </pc:spChg>
+        <pc:spChg chg="mod">
+          <ac:chgData name="Ioana Platon" userId="18b0f7fbbefdf8fb" providerId="LiveId" clId="{89084985-5EC9-44C7-8B97-02A0B3B795B9}" dt="2024-08-03T14:13:58.045" v="486" actId="20577"/>
+          <ac:spMkLst>
+            <pc:docMk/>
+            <pc:sldMk cId="79695288" sldId="380"/>
+            <ac:spMk id="3" creationId="{7D7CECA3-144C-CD4B-9246-81B4F2E65466}"/>
+          </ac:spMkLst>
+        </pc:spChg>
+        <pc:spChg chg="del">
+          <ac:chgData name="Ioana Platon" userId="18b0f7fbbefdf8fb" providerId="LiveId" clId="{89084985-5EC9-44C7-8B97-02A0B3B795B9}" dt="2024-08-03T14:01:37.189" v="29" actId="478"/>
+          <ac:spMkLst>
+            <pc:docMk/>
+            <pc:sldMk cId="79695288" sldId="380"/>
+            <ac:spMk id="5" creationId="{A33D1544-95D3-8A05-6E1B-C08C307C55D4}"/>
+          </ac:spMkLst>
+        </pc:spChg>
+      </pc:sldChg>
+      <pc:sldChg chg="modSp mod">
+        <pc:chgData name="Ioana Platon" userId="18b0f7fbbefdf8fb" providerId="LiveId" clId="{89084985-5EC9-44C7-8B97-02A0B3B795B9}" dt="2024-08-03T14:13:44.969" v="478" actId="20577"/>
+        <pc:sldMkLst>
+          <pc:docMk/>
+          <pc:sldMk cId="870782436" sldId="385"/>
+        </pc:sldMkLst>
+        <pc:spChg chg="mod">
+          <ac:chgData name="Ioana Platon" userId="18b0f7fbbefdf8fb" providerId="LiveId" clId="{89084985-5EC9-44C7-8B97-02A0B3B795B9}" dt="2024-08-03T14:13:44.969" v="478" actId="20577"/>
+          <ac:spMkLst>
+            <pc:docMk/>
+            <pc:sldMk cId="870782436" sldId="385"/>
+            <ac:spMk id="4" creationId="{67328E6B-D306-C2F9-54E9-FD35599AC24B}"/>
+          </ac:spMkLst>
+        </pc:spChg>
+      </pc:sldChg>
+      <pc:sldChg chg="modSp mod">
+        <pc:chgData name="Ioana Platon" userId="18b0f7fbbefdf8fb" providerId="LiveId" clId="{89084985-5EC9-44C7-8B97-02A0B3B795B9}" dt="2024-08-03T14:12:32.796" v="456" actId="20577"/>
+        <pc:sldMkLst>
+          <pc:docMk/>
+          <pc:sldMk cId="2265579874" sldId="388"/>
+        </pc:sldMkLst>
+        <pc:spChg chg="mod">
+          <ac:chgData name="Ioana Platon" userId="18b0f7fbbefdf8fb" providerId="LiveId" clId="{89084985-5EC9-44C7-8B97-02A0B3B795B9}" dt="2024-08-03T14:12:32.796" v="456" actId="20577"/>
+          <ac:spMkLst>
+            <pc:docMk/>
+            <pc:sldMk cId="2265579874" sldId="388"/>
+            <ac:spMk id="13" creationId="{4D45BEF3-11A3-1DD7-2FBD-7AD7875B5DB0}"/>
+          </ac:spMkLst>
+        </pc:spChg>
+        <pc:picChg chg="mod">
+          <ac:chgData name="Ioana Platon" userId="18b0f7fbbefdf8fb" providerId="LiveId" clId="{89084985-5EC9-44C7-8B97-02A0B3B795B9}" dt="2024-08-03T13:55:07.700" v="27" actId="208"/>
+          <ac:picMkLst>
+            <pc:docMk/>
+            <pc:sldMk cId="2265579874" sldId="388"/>
+            <ac:picMk id="15" creationId="{86347072-678B-C6F3-9659-4E6B48266E03}"/>
+          </ac:picMkLst>
+        </pc:picChg>
+      </pc:sldChg>
+      <pc:sldChg chg="modSp mod">
+        <pc:chgData name="Ioana Platon" userId="18b0f7fbbefdf8fb" providerId="LiveId" clId="{89084985-5EC9-44C7-8B97-02A0B3B795B9}" dt="2024-08-03T14:13:16.719" v="468" actId="20577"/>
+        <pc:sldMkLst>
+          <pc:docMk/>
+          <pc:sldMk cId="873525583" sldId="389"/>
+        </pc:sldMkLst>
+        <pc:spChg chg="mod">
+          <ac:chgData name="Ioana Platon" userId="18b0f7fbbefdf8fb" providerId="LiveId" clId="{89084985-5EC9-44C7-8B97-02A0B3B795B9}" dt="2024-08-03T14:13:16.719" v="468" actId="20577"/>
+          <ac:spMkLst>
+            <pc:docMk/>
+            <pc:sldMk cId="873525583" sldId="389"/>
+            <ac:spMk id="4" creationId="{67328E6B-D306-C2F9-54E9-FD35599AC24B}"/>
+          </ac:spMkLst>
+        </pc:spChg>
+      </pc:sldChg>
+    </pc:docChg>
+  </pc:docChgLst>
 </pc:chgInfo>
 </file>
 
@@ -274,7 +428,7 @@
           <a:p>
             <a:fld id="{258BFD57-AB0A-470B-A7AF-56DFE7B5174A}" type="datetimeFigureOut">
               <a:rPr lang="en-US" smtClean="0"/>
-              <a:t>8/1/2024</a:t>
+              <a:t>8/3/2024</a:t>
             </a:fld>
             <a:endParaRPr lang="en-US" dirty="0"/>
           </a:p>
@@ -451,7 +605,7 @@
           <a:p>
             <a:fld id="{D4B3339F-6CEA-4641-BE08-40DAFD6FCF25}" type="datetimeFigureOut">
               <a:rPr lang="en-US" smtClean="0"/>
-              <a:t>8/1/2024</a:t>
+              <a:t>8/3/2024</a:t>
             </a:fld>
             <a:endParaRPr lang="en-US" dirty="0"/>
           </a:p>
@@ -11133,7 +11287,7 @@
             </a:pPr>
             <a:r>
               <a:rPr lang="en-US" dirty="0"/>
-              <a:t>The male spending increases more steadily then female </a:t>
+              <a:t>Male spending increases more steadily than female. </a:t>
             </a:r>
           </a:p>
           <a:p>
@@ -11153,7 +11307,7 @@
             </a:pPr>
             <a:r>
               <a:rPr lang="en-US" dirty="0"/>
-              <a:t>Males spending increased by 961,128.</a:t>
+              <a:t>Male spending increased by 961,128.</a:t>
             </a:r>
           </a:p>
           <a:p>
@@ -11410,7 +11564,7 @@
             </a:pPr>
             <a:r>
               <a:rPr lang="en-US" dirty="0"/>
-              <a:t>The total spending increased  2,001,494 from 2002 – 2020</a:t>
+              <a:t>The total spending increased by  2,001,494 from 2002 – 2020.</a:t>
             </a:r>
           </a:p>
           <a:p>
@@ -11420,7 +11574,7 @@
             </a:pPr>
             <a:r>
               <a:rPr lang="en-US" dirty="0"/>
-              <a:t>The highest in increase in two years was between 2018-2020 </a:t>
+              <a:t>The highest increase in two years was between 2018-2020. </a:t>
             </a:r>
           </a:p>
           <a:p>
@@ -11430,7 +11584,7 @@
             </a:pPr>
             <a:r>
               <a:rPr lang="en-US" dirty="0"/>
-              <a:t>Predicting it will continue to increase </a:t>
+              <a:t>Predicting it will continue to increase.</a:t>
             </a:r>
           </a:p>
           <a:p>
@@ -11556,7 +11710,7 @@
           <a:p>
             <a:r>
               <a:rPr lang="en-US" dirty="0"/>
-              <a:t>FINAL TAKEAWAYS</a:t>
+              <a:t>TAKEAWAYS</a:t>
             </a:r>
           </a:p>
         </p:txBody>
@@ -11587,35 +11741,54 @@
           <a:bodyPr/>
           <a:lstStyle/>
           <a:p>
+            <a:r>
+              <a:rPr lang="en-US" dirty="0"/>
+              <a:t>Pay attention to multiple header columns.</a:t>
+            </a:r>
+          </a:p>
+          <a:p>
+            <a:r>
+              <a:rPr lang="en-US" dirty="0"/>
+              <a:t>Account for the way the data is laid out in your </a:t>
+            </a:r>
+            <a:r>
+              <a:rPr lang="en-US" dirty="0" err="1"/>
+              <a:t>DataFrame</a:t>
+            </a:r>
+            <a:r>
+              <a:rPr lang="en-US" dirty="0"/>
+              <a:t>.</a:t>
+            </a:r>
+          </a:p>
+          <a:p>
+            <a:r>
+              <a:rPr lang="en-US" dirty="0"/>
+              <a:t>Have a set initial </a:t>
+            </a:r>
+            <a:r>
+              <a:rPr lang="en-US" dirty="0" err="1"/>
+              <a:t>DataFrame</a:t>
+            </a:r>
+            <a:r>
+              <a:rPr lang="en-US" dirty="0"/>
+              <a:t> name for all team members.</a:t>
+            </a:r>
+          </a:p>
+          <a:p>
+            <a:r>
+              <a:rPr lang="en-US" dirty="0"/>
+              <a:t>Clear communication with your team when merging GitHub Branches.</a:t>
+            </a:r>
+          </a:p>
+          <a:p>
             <a:endParaRPr lang="en-US" dirty="0"/>
           </a:p>
-        </p:txBody>
-      </p:sp>
-      <p:sp>
-        <p:nvSpPr>
-          <p:cNvPr id="5" name="Content Placeholder 4">
-            <a:extLst>
-              <a:ext uri="{FF2B5EF4-FFF2-40B4-BE49-F238E27FC236}">
-                <a16:creationId xmlns:a16="http://schemas.microsoft.com/office/drawing/2014/main" id="{A33D1544-95D3-8A05-6E1B-C08C307C55D4}"/>
-              </a:ext>
-            </a:extLst>
-          </p:cNvPr>
-          <p:cNvSpPr>
-            <a:spLocks noGrp="1"/>
-          </p:cNvSpPr>
-          <p:nvPr>
-            <p:ph sz="quarter" idx="37"/>
-          </p:nvPr>
-        </p:nvSpPr>
-        <p:spPr>
-          <a:xfrm>
-            <a:off x="8392160" y="2465388"/>
-            <a:ext cx="2856865" cy="3427412"/>
-          </a:xfrm>
-        </p:spPr>
-        <p:txBody>
-          <a:bodyPr/>
-          <a:lstStyle/>
+          <a:p>
+            <a:endParaRPr lang="en-US" dirty="0"/>
+          </a:p>
+          <a:p>
+            <a:endParaRPr lang="en-US" dirty="0"/>
+          </a:p>
           <a:p>
             <a:endParaRPr lang="en-US" dirty="0"/>
           </a:p>
@@ -11923,7 +12096,7 @@
           <a:p>
             <a:r>
               <a:rPr lang="en-US" dirty="0"/>
-              <a:t>Final  Takeaways</a:t>
+              <a:t>Takeaways</a:t>
             </a:r>
           </a:p>
         </p:txBody>
@@ -11956,8 +12129,8 @@
         </p:blipFill>
         <p:spPr>
           <a:xfrm>
-            <a:off x="11484244" y="6150244"/>
-            <a:ext cx="707756" cy="707756"/>
+            <a:off x="11790969" y="14868"/>
+            <a:ext cx="390430" cy="390430"/>
           </a:xfrm>
           <a:prstGeom prst="rect">
             <a:avLst/>
@@ -12124,7 +12297,7 @@
         <p:spPr>
           <a:xfrm>
             <a:off x="333817" y="346082"/>
-            <a:ext cx="764260" cy="764260"/>
+            <a:ext cx="298085" cy="298085"/>
           </a:xfrm>
           <a:prstGeom prst="rect">
             <a:avLst/>
@@ -12699,9 +12872,6 @@
             </a:pPr>
             <a:r>
               <a:rPr lang="en-US" b="0" dirty="0">
-                <a:solidFill>
-                  <a:srgbClr val="CCCCCC"/>
-                </a:solidFill>
                 <a:effectLst/>
                 <a:latin typeface="Consolas" panose="020B0609020204030204" pitchFamily="49" charset="0"/>
               </a:rPr>
@@ -12709,9 +12879,6 @@
             </a:r>
             <a:r>
               <a:rPr lang="en-US" dirty="0">
-                <a:solidFill>
-                  <a:srgbClr val="CCCCCC"/>
-                </a:solidFill>
                 <a:latin typeface="Consolas" panose="020B0609020204030204" pitchFamily="49" charset="0"/>
               </a:rPr>
               <a:t>.</a:t>
@@ -12724,9 +12891,6 @@
             </a:pPr>
             <a:r>
               <a:rPr lang="en-US" b="0" dirty="0">
-                <a:solidFill>
-                  <a:srgbClr val="CCCCCC"/>
-                </a:solidFill>
                 <a:effectLst/>
                 <a:latin typeface="Consolas" panose="020B0609020204030204" pitchFamily="49" charset="0"/>
               </a:rPr>
@@ -12740,9 +12904,6 @@
             </a:pPr>
             <a:r>
               <a:rPr lang="en-US" b="0" dirty="0">
-                <a:solidFill>
-                  <a:srgbClr val="CCCCCC"/>
-                </a:solidFill>
                 <a:effectLst/>
                 <a:latin typeface="Consolas" panose="020B0609020204030204" pitchFamily="49" charset="0"/>
               </a:rPr>
@@ -12756,9 +12917,6 @@
             </a:pPr>
             <a:r>
               <a:rPr lang="en-US" b="0" dirty="0">
-                <a:solidFill>
-                  <a:srgbClr val="CCCCCC"/>
-                </a:solidFill>
                 <a:effectLst/>
                 <a:latin typeface="Consolas" panose="020B0609020204030204" pitchFamily="49" charset="0"/>
               </a:rPr>
@@ -12795,8 +12953,8 @@
         </p:blipFill>
         <p:spPr>
           <a:xfrm>
-            <a:off x="11616613" y="6228369"/>
-            <a:ext cx="629631" cy="629631"/>
+            <a:off x="11872332" y="6484088"/>
+            <a:ext cx="373912" cy="373912"/>
           </a:xfrm>
           <a:prstGeom prst="rect">
             <a:avLst/>
@@ -13374,32 +13532,23 @@
             </a:pPr>
             <a:r>
               <a:rPr lang="en-US" b="0" dirty="0">
-                <a:solidFill>
-                  <a:srgbClr val="CCCCCC"/>
-                </a:solidFill>
                 <a:effectLst/>
                 <a:latin typeface="Consolas" panose="020B0609020204030204" pitchFamily="49" charset="0"/>
               </a:rPr>
-              <a:t>The is a large gap </a:t>
+              <a:t>The is a gap </a:t>
             </a:r>
             <a:r>
               <a:rPr lang="en-US" dirty="0">
-                <a:solidFill>
-                  <a:srgbClr val="CCCCCC"/>
-                </a:solidFill>
                 <a:latin typeface="Consolas" panose="020B0609020204030204" pitchFamily="49" charset="0"/>
               </a:rPr>
               <a:t>in spending </a:t>
             </a:r>
             <a:r>
               <a:rPr lang="en-US" b="0" dirty="0">
-                <a:solidFill>
-                  <a:srgbClr val="CCCCCC"/>
-                </a:solidFill>
                 <a:effectLst/>
                 <a:latin typeface="Consolas" panose="020B0609020204030204" pitchFamily="49" charset="0"/>
               </a:rPr>
-              <a:t>between the top three age groups and the lowest two in spending for females</a:t>
+              <a:t>between the top three age groups and the lowest two in spending for females.</a:t>
             </a:r>
           </a:p>
           <a:p>
@@ -13409,9 +13558,6 @@
             </a:pPr>
             <a:r>
               <a:rPr lang="en-US" dirty="0">
-                <a:solidFill>
-                  <a:srgbClr val="CCCCCC"/>
-                </a:solidFill>
                 <a:latin typeface="Consolas" panose="020B0609020204030204" pitchFamily="49" charset="0"/>
               </a:rPr>
               <a:t>Spending for males by age group is consistently spaced.</a:t>
@@ -13424,9 +13570,6 @@
             </a:pPr>
             <a:r>
               <a:rPr lang="en-US" b="0" dirty="0">
-                <a:solidFill>
-                  <a:srgbClr val="CCCCCC"/>
-                </a:solidFill>
                 <a:effectLst/>
                 <a:latin typeface="Consolas" panose="020B0609020204030204" pitchFamily="49" charset="0"/>
               </a:rPr>
@@ -13434,17 +13577,11 @@
             </a:r>
             <a:r>
               <a:rPr lang="en-US" dirty="0">
-                <a:solidFill>
-                  <a:srgbClr val="CCCCCC"/>
-                </a:solidFill>
                 <a:latin typeface="Consolas" panose="020B0609020204030204" pitchFamily="49" charset="0"/>
               </a:rPr>
               <a:t>age group spiked in 2020.</a:t>
             </a:r>
             <a:endParaRPr lang="en-US" b="0" dirty="0">
-              <a:solidFill>
-                <a:srgbClr val="CCCCCC"/>
-              </a:solidFill>
               <a:effectLst/>
               <a:latin typeface="Consolas" panose="020B0609020204030204" pitchFamily="49" charset="0"/>
             </a:endParaRPr>
@@ -13479,8 +13616,8 @@
         </p:blipFill>
         <p:spPr>
           <a:xfrm>
-            <a:off x="11616613" y="6228369"/>
-            <a:ext cx="629631" cy="629631"/>
+            <a:off x="11887200" y="6498956"/>
+            <a:ext cx="359044" cy="359044"/>
           </a:xfrm>
           <a:prstGeom prst="rect">
             <a:avLst/>
@@ -15147,15 +15284,6 @@
 </file>
 
 <file path=customXml/item1.xml><?xml version="1.0" encoding="utf-8"?>
-<?mso-contentType ?>
-<FormTemplates xmlns="http://schemas.microsoft.com/sharepoint/v3/contenttype/forms">
-  <Display>DocumentLibraryForm</Display>
-  <Edit>DocumentLibraryForm</Edit>
-  <New>DocumentLibraryForm</New>
-</FormTemplates>
-</file>
-
-<file path=customXml/item2.xml><?xml version="1.0" encoding="utf-8"?>
 <ct:contentTypeSchema xmlns:ct="http://schemas.microsoft.com/office/2006/metadata/contentType" xmlns:ma="http://schemas.microsoft.com/office/2006/metadata/properties/metaAttributes" ct:_="" ma:_="" ma:contentTypeName="Document" ma:contentTypeID="0x01010079F111ED35F8CC479449609E8A0923A6" ma:contentTypeVersion="28" ma:contentTypeDescription="Create a new document." ma:contentTypeScope="" ma:versionID="60f5a4f2d2b0abadcf532d48ebf9cb71">
   <xsd:schema xmlns:xsd="http://www.w3.org/2001/XMLSchema" xmlns:xs="http://www.w3.org/2001/XMLSchema" xmlns:p="http://schemas.microsoft.com/office/2006/metadata/properties" xmlns:ns1="http://schemas.microsoft.com/sharepoint/v3" xmlns:ns2="71af3243-3dd4-4a8d-8c0d-dd76da1f02a5" xmlns:ns3="16c05727-aa75-4e4a-9b5f-8a80a1165891" xmlns:ns4="230e9df3-be65-4c73-a93b-d1236ebd677e" targetNamespace="http://schemas.microsoft.com/office/2006/metadata/properties" ma:root="true" ma:fieldsID="7dd78129e6a1811f84807ad11c651531" ns1:_="" ns2:_="" ns3:_="" ns4:_="">
     <xsd:import namespace="http://schemas.microsoft.com/sharepoint/v3"/>
@@ -15467,6 +15595,15 @@
 </ct:contentTypeSchema>
 </file>
 
+<file path=customXml/item2.xml><?xml version="1.0" encoding="utf-8"?>
+<?mso-contentType ?>
+<FormTemplates xmlns="http://schemas.microsoft.com/sharepoint/v3/contenttype/forms">
+  <Display>DocumentLibraryForm</Display>
+  <Edit>DocumentLibraryForm</Edit>
+  <New>DocumentLibraryForm</New>
+</FormTemplates>
+</file>
+
 <file path=customXml/item3.xml><?xml version="1.0" encoding="utf-8"?>
 <p:properties xmlns:p="http://schemas.microsoft.com/office/2006/metadata/properties" xmlns:xsi="http://www.w3.org/2001/XMLSchema-instance" xmlns:pc="http://schemas.microsoft.com/office/infopath/2007/PartnerControls">
   <documentManagement>
@@ -15488,14 +15625,6 @@
 </file>
 
 <file path=customXml/itemProps1.xml><?xml version="1.0" encoding="utf-8"?>
-<ds:datastoreItem xmlns:ds="http://schemas.openxmlformats.org/officeDocument/2006/customXml" ds:itemID="{44137456-21FC-4AE2-8A94-BF06CAF2EB9B}">
-  <ds:schemaRefs>
-    <ds:schemaRef ds:uri="http://schemas.microsoft.com/sharepoint/v3/contenttype/forms"/>
-  </ds:schemaRefs>
-</ds:datastoreItem>
-</file>
-
-<file path=customXml/itemProps2.xml><?xml version="1.0" encoding="utf-8"?>
 <ds:datastoreItem xmlns:ds="http://schemas.openxmlformats.org/officeDocument/2006/customXml" ds:itemID="{C77B561B-3A65-4A22-9691-EB838E7F9B87}">
   <ds:schemaRefs>
     <ds:schemaRef ds:uri="http://schemas.microsoft.com/office/2006/metadata/contentType"/>
@@ -15516,6 +15645,14 @@
 </ds:datastoreItem>
 </file>
 
+<file path=customXml/itemProps2.xml><?xml version="1.0" encoding="utf-8"?>
+<ds:datastoreItem xmlns:ds="http://schemas.openxmlformats.org/officeDocument/2006/customXml" ds:itemID="{44137456-21FC-4AE2-8A94-BF06CAF2EB9B}">
+  <ds:schemaRefs>
+    <ds:schemaRef ds:uri="http://schemas.microsoft.com/sharepoint/v3/contenttype/forms"/>
+  </ds:schemaRefs>
+</ds:datastoreItem>
+</file>
+
 <file path=customXml/itemProps3.xml><?xml version="1.0" encoding="utf-8"?>
 <ds:datastoreItem xmlns:ds="http://schemas.openxmlformats.org/officeDocument/2006/customXml" ds:itemID="{E305301E-11B3-4B9D-A588-21F3C9809371}">
   <ds:schemaRefs>

--- a/Presentation.pptx
+++ b/Presentation.pptx
@@ -180,7 +180,7 @@
   <pc:docChgLst>
     <pc:chgData name="Ioana Platon" userId="18b0f7fbbefdf8fb" providerId="LiveId" clId="{89084985-5EC9-44C7-8B97-02A0B3B795B9}"/>
     <pc:docChg chg="undo custSel addSld delSld modSld">
-      <pc:chgData name="Ioana Platon" userId="18b0f7fbbefdf8fb" providerId="LiveId" clId="{89084985-5EC9-44C7-8B97-02A0B3B795B9}" dt="2024-08-03T14:13:58.045" v="486" actId="20577"/>
+      <pc:chgData name="Ioana Platon" userId="18b0f7fbbefdf8fb" providerId="LiveId" clId="{89084985-5EC9-44C7-8B97-02A0B3B795B9}" dt="2024-08-03T14:28:05.800" v="495" actId="1035"/>
       <pc:docMkLst>
         <pc:docMk/>
       </pc:docMkLst>
@@ -223,13 +223,13 @@
         </pc:picChg>
       </pc:sldChg>
       <pc:sldChg chg="modSp mod">
-        <pc:chgData name="Ioana Platon" userId="18b0f7fbbefdf8fb" providerId="LiveId" clId="{89084985-5EC9-44C7-8B97-02A0B3B795B9}" dt="2024-08-03T14:11:46.089" v="453" actId="207"/>
+        <pc:chgData name="Ioana Platon" userId="18b0f7fbbefdf8fb" providerId="LiveId" clId="{89084985-5EC9-44C7-8B97-02A0B3B795B9}" dt="2024-08-03T14:28:05.800" v="495" actId="1035"/>
         <pc:sldMkLst>
           <pc:docMk/>
           <pc:sldMk cId="2170071140" sldId="379"/>
         </pc:sldMkLst>
         <pc:spChg chg="mod">
-          <ac:chgData name="Ioana Platon" userId="18b0f7fbbefdf8fb" providerId="LiveId" clId="{89084985-5EC9-44C7-8B97-02A0B3B795B9}" dt="2024-08-03T14:11:46.089" v="453" actId="207"/>
+          <ac:chgData name="Ioana Platon" userId="18b0f7fbbefdf8fb" providerId="LiveId" clId="{89084985-5EC9-44C7-8B97-02A0B3B795B9}" dt="2024-08-03T14:28:05.800" v="495" actId="1035"/>
           <ac:spMkLst>
             <pc:docMk/>
             <pc:sldMk cId="2170071140" sldId="379"/>
@@ -12663,7 +12663,7 @@
         </p:nvSpPr>
         <p:spPr>
           <a:xfrm>
-            <a:off x="333214" y="2917742"/>
+            <a:off x="333214" y="2850836"/>
             <a:ext cx="4014061" cy="3047997"/>
           </a:xfrm>
           <a:prstGeom prst="rect">
@@ -15284,6 +15284,15 @@
 </file>
 
 <file path=customXml/item1.xml><?xml version="1.0" encoding="utf-8"?>
+<?mso-contentType ?>
+<FormTemplates xmlns="http://schemas.microsoft.com/sharepoint/v3/contenttype/forms">
+  <Display>DocumentLibraryForm</Display>
+  <Edit>DocumentLibraryForm</Edit>
+  <New>DocumentLibraryForm</New>
+</FormTemplates>
+</file>
+
+<file path=customXml/item2.xml><?xml version="1.0" encoding="utf-8"?>
 <ct:contentTypeSchema xmlns:ct="http://schemas.microsoft.com/office/2006/metadata/contentType" xmlns:ma="http://schemas.microsoft.com/office/2006/metadata/properties/metaAttributes" ct:_="" ma:_="" ma:contentTypeName="Document" ma:contentTypeID="0x01010079F111ED35F8CC479449609E8A0923A6" ma:contentTypeVersion="28" ma:contentTypeDescription="Create a new document." ma:contentTypeScope="" ma:versionID="60f5a4f2d2b0abadcf532d48ebf9cb71">
   <xsd:schema xmlns:xsd="http://www.w3.org/2001/XMLSchema" xmlns:xs="http://www.w3.org/2001/XMLSchema" xmlns:p="http://schemas.microsoft.com/office/2006/metadata/properties" xmlns:ns1="http://schemas.microsoft.com/sharepoint/v3" xmlns:ns2="71af3243-3dd4-4a8d-8c0d-dd76da1f02a5" xmlns:ns3="16c05727-aa75-4e4a-9b5f-8a80a1165891" xmlns:ns4="230e9df3-be65-4c73-a93b-d1236ebd677e" targetNamespace="http://schemas.microsoft.com/office/2006/metadata/properties" ma:root="true" ma:fieldsID="7dd78129e6a1811f84807ad11c651531" ns1:_="" ns2:_="" ns3:_="" ns4:_="">
     <xsd:import namespace="http://schemas.microsoft.com/sharepoint/v3"/>
@@ -15595,15 +15604,6 @@
 </ct:contentTypeSchema>
 </file>
 
-<file path=customXml/item2.xml><?xml version="1.0" encoding="utf-8"?>
-<?mso-contentType ?>
-<FormTemplates xmlns="http://schemas.microsoft.com/sharepoint/v3/contenttype/forms">
-  <Display>DocumentLibraryForm</Display>
-  <Edit>DocumentLibraryForm</Edit>
-  <New>DocumentLibraryForm</New>
-</FormTemplates>
-</file>
-
 <file path=customXml/item3.xml><?xml version="1.0" encoding="utf-8"?>
 <p:properties xmlns:p="http://schemas.microsoft.com/office/2006/metadata/properties" xmlns:xsi="http://www.w3.org/2001/XMLSchema-instance" xmlns:pc="http://schemas.microsoft.com/office/infopath/2007/PartnerControls">
   <documentManagement>
@@ -15625,6 +15625,14 @@
 </file>
 
 <file path=customXml/itemProps1.xml><?xml version="1.0" encoding="utf-8"?>
+<ds:datastoreItem xmlns:ds="http://schemas.openxmlformats.org/officeDocument/2006/customXml" ds:itemID="{44137456-21FC-4AE2-8A94-BF06CAF2EB9B}">
+  <ds:schemaRefs>
+    <ds:schemaRef ds:uri="http://schemas.microsoft.com/sharepoint/v3/contenttype/forms"/>
+  </ds:schemaRefs>
+</ds:datastoreItem>
+</file>
+
+<file path=customXml/itemProps2.xml><?xml version="1.0" encoding="utf-8"?>
 <ds:datastoreItem xmlns:ds="http://schemas.openxmlformats.org/officeDocument/2006/customXml" ds:itemID="{C77B561B-3A65-4A22-9691-EB838E7F9B87}">
   <ds:schemaRefs>
     <ds:schemaRef ds:uri="http://schemas.microsoft.com/office/2006/metadata/contentType"/>
@@ -15645,14 +15653,6 @@
 </ds:datastoreItem>
 </file>
 
-<file path=customXml/itemProps2.xml><?xml version="1.0" encoding="utf-8"?>
-<ds:datastoreItem xmlns:ds="http://schemas.openxmlformats.org/officeDocument/2006/customXml" ds:itemID="{44137456-21FC-4AE2-8A94-BF06CAF2EB9B}">
-  <ds:schemaRefs>
-    <ds:schemaRef ds:uri="http://schemas.microsoft.com/sharepoint/v3/contenttype/forms"/>
-  </ds:schemaRefs>
-</ds:datastoreItem>
-</file>
-
 <file path=customXml/itemProps3.xml><?xml version="1.0" encoding="utf-8"?>
 <ds:datastoreItem xmlns:ds="http://schemas.openxmlformats.org/officeDocument/2006/customXml" ds:itemID="{E305301E-11B3-4B9D-A588-21F3C9809371}">
   <ds:schemaRefs>

--- a/Presentation.pptx
+++ b/Presentation.pptx
@@ -154,30 +154,6 @@
 <file path=ppt/changesInfos/changesInfo1.xml><?xml version="1.0" encoding="utf-8"?>
 <pc:chgInfo xmlns:a="http://schemas.openxmlformats.org/drawingml/2006/main" xmlns:r="http://schemas.openxmlformats.org/officeDocument/2006/relationships" xmlns:ac="http://schemas.microsoft.com/office/drawing/2013/main/command" xmlns:pc="http://schemas.microsoft.com/office/powerpoint/2013/main/command">
   <pc:docChgLst>
-    <pc:chgData name="Fallendragon umana" userId="77ae3e3d9a614ce5" providerId="LiveId" clId="{42F9BC6A-FAF0-44EC-AAAE-CA242DE3E1D8}"/>
-    <pc:docChg chg="custSel modSld">
-      <pc:chgData name="Fallendragon umana" userId="77ae3e3d9a614ce5" providerId="LiveId" clId="{42F9BC6A-FAF0-44EC-AAAE-CA242DE3E1D8}" dt="2024-08-02T02:42:16.249" v="543" actId="20577"/>
-      <pc:docMkLst>
-        <pc:docMk/>
-      </pc:docMkLst>
-      <pc:sldChg chg="modSp mod modNotesTx">
-        <pc:chgData name="Fallendragon umana" userId="77ae3e3d9a614ce5" providerId="LiveId" clId="{42F9BC6A-FAF0-44EC-AAAE-CA242DE3E1D8}" dt="2024-08-02T02:42:16.249" v="543" actId="20577"/>
-        <pc:sldMkLst>
-          <pc:docMk/>
-          <pc:sldMk cId="873525583" sldId="389"/>
-        </pc:sldMkLst>
-        <pc:spChg chg="mod">
-          <ac:chgData name="Fallendragon umana" userId="77ae3e3d9a614ce5" providerId="LiveId" clId="{42F9BC6A-FAF0-44EC-AAAE-CA242DE3E1D8}" dt="2024-08-02T02:21:55.962" v="243" actId="20577"/>
-          <ac:spMkLst>
-            <pc:docMk/>
-            <pc:sldMk cId="873525583" sldId="389"/>
-            <ac:spMk id="4" creationId="{67328E6B-D306-C2F9-54E9-FD35599AC24B}"/>
-          </ac:spMkLst>
-        </pc:spChg>
-      </pc:sldChg>
-    </pc:docChg>
-  </pc:docChgLst>
-  <pc:docChgLst>
     <pc:chgData name="Ioana Platon" userId="18b0f7fbbefdf8fb" providerId="LiveId" clId="{89084985-5EC9-44C7-8B97-02A0B3B795B9}"/>
     <pc:docChg chg="undo custSel addSld delSld modSld">
       <pc:chgData name="Ioana Platon" userId="18b0f7fbbefdf8fb" providerId="LiveId" clId="{89084985-5EC9-44C7-8B97-02A0B3B795B9}" dt="2024-08-03T14:28:05.800" v="495" actId="1035"/>
@@ -331,6 +307,30 @@
       </pc:sldChg>
     </pc:docChg>
   </pc:docChgLst>
+  <pc:docChgLst>
+    <pc:chgData name="Fallendragon umana" userId="77ae3e3d9a614ce5" providerId="LiveId" clId="{42F9BC6A-FAF0-44EC-AAAE-CA242DE3E1D8}"/>
+    <pc:docChg chg="custSel modSld">
+      <pc:chgData name="Fallendragon umana" userId="77ae3e3d9a614ce5" providerId="LiveId" clId="{42F9BC6A-FAF0-44EC-AAAE-CA242DE3E1D8}" dt="2024-08-02T02:42:16.249" v="543" actId="20577"/>
+      <pc:docMkLst>
+        <pc:docMk/>
+      </pc:docMkLst>
+      <pc:sldChg chg="modSp mod modNotesTx">
+        <pc:chgData name="Fallendragon umana" userId="77ae3e3d9a614ce5" providerId="LiveId" clId="{42F9BC6A-FAF0-44EC-AAAE-CA242DE3E1D8}" dt="2024-08-02T02:42:16.249" v="543" actId="20577"/>
+        <pc:sldMkLst>
+          <pc:docMk/>
+          <pc:sldMk cId="873525583" sldId="389"/>
+        </pc:sldMkLst>
+        <pc:spChg chg="mod">
+          <ac:chgData name="Fallendragon umana" userId="77ae3e3d9a614ce5" providerId="LiveId" clId="{42F9BC6A-FAF0-44EC-AAAE-CA242DE3E1D8}" dt="2024-08-02T02:21:55.962" v="243" actId="20577"/>
+          <ac:spMkLst>
+            <pc:docMk/>
+            <pc:sldMk cId="873525583" sldId="389"/>
+            <ac:spMk id="4" creationId="{67328E6B-D306-C2F9-54E9-FD35599AC24B}"/>
+          </ac:spMkLst>
+        </pc:spChg>
+      </pc:sldChg>
+    </pc:docChg>
+  </pc:docChgLst>
 </pc:chgInfo>
 </file>
 
@@ -428,7 +428,7 @@
           <a:p>
             <a:fld id="{258BFD57-AB0A-470B-A7AF-56DFE7B5174A}" type="datetimeFigureOut">
               <a:rPr lang="en-US" smtClean="0"/>
-              <a:t>8/3/2024</a:t>
+              <a:t>8/5/2024</a:t>
             </a:fld>
             <a:endParaRPr lang="en-US" dirty="0"/>
           </a:p>
@@ -605,7 +605,7 @@
           <a:p>
             <a:fld id="{D4B3339F-6CEA-4641-BE08-40DAFD6FCF25}" type="datetimeFigureOut">
               <a:rPr lang="en-US" smtClean="0"/>
-              <a:t>8/3/2024</a:t>
+              <a:t>8/5/2024</a:t>
             </a:fld>
             <a:endParaRPr lang="en-US" dirty="0"/>
           </a:p>
@@ -11734,7 +11734,7 @@
         <p:spPr>
           <a:xfrm>
             <a:off x="814302" y="2465535"/>
-            <a:ext cx="7303538" cy="3427265"/>
+            <a:ext cx="5182800" cy="3427265"/>
           </a:xfrm>
         </p:spPr>
         <p:txBody>
@@ -11826,6 +11826,87 @@
               <a:t>13</a:t>
             </a:fld>
             <a:endParaRPr lang="en-US" dirty="0"/>
+          </a:p>
+        </p:txBody>
+      </p:sp>
+      <p:sp>
+        <p:nvSpPr>
+          <p:cNvPr id="5" name="TextBox 4">
+            <a:extLst>
+              <a:ext uri="{FF2B5EF4-FFF2-40B4-BE49-F238E27FC236}">
+                <a16:creationId xmlns:a16="http://schemas.microsoft.com/office/drawing/2014/main" id="{38DCCEBA-621C-2719-2FB3-8A1295B8250D}"/>
+              </a:ext>
+            </a:extLst>
+          </p:cNvPr>
+          <p:cNvSpPr txBox="1"/>
+          <p:nvPr/>
+        </p:nvSpPr>
+        <p:spPr>
+          <a:xfrm>
+            <a:off x="6194900" y="2465535"/>
+            <a:ext cx="5182800" cy="1754326"/>
+          </a:xfrm>
+          <a:prstGeom prst="rect">
+            <a:avLst/>
+          </a:prstGeom>
+          <a:noFill/>
+        </p:spPr>
+        <p:txBody>
+          <a:bodyPr wrap="square" rtlCol="0">
+            <a:spAutoFit/>
+          </a:bodyPr>
+          <a:lstStyle/>
+          <a:p>
+            <a:r>
+              <a:rPr lang="en-US" dirty="0">
+                <a:solidFill>
+                  <a:schemeClr val="bg1"/>
+                </a:solidFill>
+              </a:rPr>
+              <a:t>Opportunities for improvement:</a:t>
+            </a:r>
+          </a:p>
+          <a:p>
+            <a:pPr marL="285750" indent="-285750">
+              <a:buFont typeface="Arial" panose="020B0604020202020204" pitchFamily="34" charset="0"/>
+              <a:buChar char="•"/>
+            </a:pPr>
+            <a:r>
+              <a:rPr lang="en-US" dirty="0">
+                <a:solidFill>
+                  <a:schemeClr val="bg1"/>
+                </a:solidFill>
+              </a:rPr>
+              <a:t>Find data regarding how many people are in each age group or use specific payer sources.</a:t>
+            </a:r>
+          </a:p>
+          <a:p>
+            <a:pPr marL="285750" indent="-285750">
+              <a:buFont typeface="Arial" panose="020B0604020202020204" pitchFamily="34" charset="0"/>
+              <a:buChar char="•"/>
+            </a:pPr>
+            <a:r>
+              <a:rPr lang="en-US" dirty="0">
+                <a:solidFill>
+                  <a:schemeClr val="bg1"/>
+                </a:solidFill>
+              </a:rPr>
+              <a:t>Deeper analysis of each service provided.</a:t>
+            </a:r>
+          </a:p>
+          <a:p>
+            <a:pPr marL="285750" indent="-285750">
+              <a:buFont typeface="Arial" panose="020B0604020202020204" pitchFamily="34" charset="0"/>
+              <a:buChar char="•"/>
+            </a:pPr>
+            <a:r>
+              <a:rPr lang="en-US" dirty="0">
+                <a:solidFill>
+                  <a:schemeClr val="bg1"/>
+                </a:solidFill>
+              </a:rPr>
+              <a:t>Use regression analysis to predict future spending.</a:t>
+            </a:r>
           </a:p>
         </p:txBody>
       </p:sp>
@@ -15284,15 +15365,6 @@
 </file>
 
 <file path=customXml/item1.xml><?xml version="1.0" encoding="utf-8"?>
-<?mso-contentType ?>
-<FormTemplates xmlns="http://schemas.microsoft.com/sharepoint/v3/contenttype/forms">
-  <Display>DocumentLibraryForm</Display>
-  <Edit>DocumentLibraryForm</Edit>
-  <New>DocumentLibraryForm</New>
-</FormTemplates>
-</file>
-
-<file path=customXml/item2.xml><?xml version="1.0" encoding="utf-8"?>
 <ct:contentTypeSchema xmlns:ct="http://schemas.microsoft.com/office/2006/metadata/contentType" xmlns:ma="http://schemas.microsoft.com/office/2006/metadata/properties/metaAttributes" ct:_="" ma:_="" ma:contentTypeName="Document" ma:contentTypeID="0x01010079F111ED35F8CC479449609E8A0923A6" ma:contentTypeVersion="28" ma:contentTypeDescription="Create a new document." ma:contentTypeScope="" ma:versionID="60f5a4f2d2b0abadcf532d48ebf9cb71">
   <xsd:schema xmlns:xsd="http://www.w3.org/2001/XMLSchema" xmlns:xs="http://www.w3.org/2001/XMLSchema" xmlns:p="http://schemas.microsoft.com/office/2006/metadata/properties" xmlns:ns1="http://schemas.microsoft.com/sharepoint/v3" xmlns:ns2="71af3243-3dd4-4a8d-8c0d-dd76da1f02a5" xmlns:ns3="16c05727-aa75-4e4a-9b5f-8a80a1165891" xmlns:ns4="230e9df3-be65-4c73-a93b-d1236ebd677e" targetNamespace="http://schemas.microsoft.com/office/2006/metadata/properties" ma:root="true" ma:fieldsID="7dd78129e6a1811f84807ad11c651531" ns1:_="" ns2:_="" ns3:_="" ns4:_="">
     <xsd:import namespace="http://schemas.microsoft.com/sharepoint/v3"/>
@@ -15604,6 +15676,15 @@
 </ct:contentTypeSchema>
 </file>
 
+<file path=customXml/item2.xml><?xml version="1.0" encoding="utf-8"?>
+<?mso-contentType ?>
+<FormTemplates xmlns="http://schemas.microsoft.com/sharepoint/v3/contenttype/forms">
+  <Display>DocumentLibraryForm</Display>
+  <Edit>DocumentLibraryForm</Edit>
+  <New>DocumentLibraryForm</New>
+</FormTemplates>
+</file>
+
 <file path=customXml/item3.xml><?xml version="1.0" encoding="utf-8"?>
 <p:properties xmlns:p="http://schemas.microsoft.com/office/2006/metadata/properties" xmlns:xsi="http://www.w3.org/2001/XMLSchema-instance" xmlns:pc="http://schemas.microsoft.com/office/infopath/2007/PartnerControls">
   <documentManagement>
@@ -15625,14 +15706,6 @@
 </file>
 
 <file path=customXml/itemProps1.xml><?xml version="1.0" encoding="utf-8"?>
-<ds:datastoreItem xmlns:ds="http://schemas.openxmlformats.org/officeDocument/2006/customXml" ds:itemID="{44137456-21FC-4AE2-8A94-BF06CAF2EB9B}">
-  <ds:schemaRefs>
-    <ds:schemaRef ds:uri="http://schemas.microsoft.com/sharepoint/v3/contenttype/forms"/>
-  </ds:schemaRefs>
-</ds:datastoreItem>
-</file>
-
-<file path=customXml/itemProps2.xml><?xml version="1.0" encoding="utf-8"?>
 <ds:datastoreItem xmlns:ds="http://schemas.openxmlformats.org/officeDocument/2006/customXml" ds:itemID="{C77B561B-3A65-4A22-9691-EB838E7F9B87}">
   <ds:schemaRefs>
     <ds:schemaRef ds:uri="http://schemas.microsoft.com/office/2006/metadata/contentType"/>
@@ -15653,6 +15726,14 @@
 </ds:datastoreItem>
 </file>
 
+<file path=customXml/itemProps2.xml><?xml version="1.0" encoding="utf-8"?>
+<ds:datastoreItem xmlns:ds="http://schemas.openxmlformats.org/officeDocument/2006/customXml" ds:itemID="{44137456-21FC-4AE2-8A94-BF06CAF2EB9B}">
+  <ds:schemaRefs>
+    <ds:schemaRef ds:uri="http://schemas.microsoft.com/sharepoint/v3/contenttype/forms"/>
+  </ds:schemaRefs>
+</ds:datastoreItem>
+</file>
+
 <file path=customXml/itemProps3.xml><?xml version="1.0" encoding="utf-8"?>
 <ds:datastoreItem xmlns:ds="http://schemas.openxmlformats.org/officeDocument/2006/customXml" ds:itemID="{E305301E-11B3-4B9D-A588-21F3C9809371}">
   <ds:schemaRefs>

--- a/Presentation.pptx
+++ b/Presentation.pptx
@@ -154,6 +154,30 @@
 <file path=ppt/changesInfos/changesInfo1.xml><?xml version="1.0" encoding="utf-8"?>
 <pc:chgInfo xmlns:a="http://schemas.openxmlformats.org/drawingml/2006/main" xmlns:r="http://schemas.openxmlformats.org/officeDocument/2006/relationships" xmlns:ac="http://schemas.microsoft.com/office/drawing/2013/main/command" xmlns:pc="http://schemas.microsoft.com/office/powerpoint/2013/main/command">
   <pc:docChgLst>
+    <pc:chgData name="Fallendragon umana" userId="77ae3e3d9a614ce5" providerId="LiveId" clId="{42F9BC6A-FAF0-44EC-AAAE-CA242DE3E1D8}"/>
+    <pc:docChg chg="custSel modSld">
+      <pc:chgData name="Fallendragon umana" userId="77ae3e3d9a614ce5" providerId="LiveId" clId="{42F9BC6A-FAF0-44EC-AAAE-CA242DE3E1D8}" dt="2024-08-02T02:42:16.249" v="543" actId="20577"/>
+      <pc:docMkLst>
+        <pc:docMk/>
+      </pc:docMkLst>
+      <pc:sldChg chg="modSp mod modNotesTx">
+        <pc:chgData name="Fallendragon umana" userId="77ae3e3d9a614ce5" providerId="LiveId" clId="{42F9BC6A-FAF0-44EC-AAAE-CA242DE3E1D8}" dt="2024-08-02T02:42:16.249" v="543" actId="20577"/>
+        <pc:sldMkLst>
+          <pc:docMk/>
+          <pc:sldMk cId="873525583" sldId="389"/>
+        </pc:sldMkLst>
+        <pc:spChg chg="mod">
+          <ac:chgData name="Fallendragon umana" userId="77ae3e3d9a614ce5" providerId="LiveId" clId="{42F9BC6A-FAF0-44EC-AAAE-CA242DE3E1D8}" dt="2024-08-02T02:21:55.962" v="243" actId="20577"/>
+          <ac:spMkLst>
+            <pc:docMk/>
+            <pc:sldMk cId="873525583" sldId="389"/>
+            <ac:spMk id="4" creationId="{67328E6B-D306-C2F9-54E9-FD35599AC24B}"/>
+          </ac:spMkLst>
+        </pc:spChg>
+      </pc:sldChg>
+    </pc:docChg>
+  </pc:docChgLst>
+  <pc:docChgLst>
     <pc:chgData name="Ioana Platon" userId="18b0f7fbbefdf8fb" providerId="LiveId" clId="{89084985-5EC9-44C7-8B97-02A0B3B795B9}"/>
     <pc:docChg chg="undo custSel addSld delSld modSld">
       <pc:chgData name="Ioana Platon" userId="18b0f7fbbefdf8fb" providerId="LiveId" clId="{89084985-5EC9-44C7-8B97-02A0B3B795B9}" dt="2024-08-03T14:28:05.800" v="495" actId="1035"/>
@@ -308,26 +332,40 @@
     </pc:docChg>
   </pc:docChgLst>
   <pc:docChgLst>
-    <pc:chgData name="Fallendragon umana" userId="77ae3e3d9a614ce5" providerId="LiveId" clId="{42F9BC6A-FAF0-44EC-AAAE-CA242DE3E1D8}"/>
-    <pc:docChg chg="custSel modSld">
-      <pc:chgData name="Fallendragon umana" userId="77ae3e3d9a614ce5" providerId="LiveId" clId="{42F9BC6A-FAF0-44EC-AAAE-CA242DE3E1D8}" dt="2024-08-02T02:42:16.249" v="543" actId="20577"/>
+    <pc:chgData name="Fallendragon umana" userId="77ae3e3d9a614ce5" providerId="LiveId" clId="{A1ACA6EF-0B55-4319-8FC4-0CFAEC198465}"/>
+    <pc:docChg chg="undo custSel modSld">
+      <pc:chgData name="Fallendragon umana" userId="77ae3e3d9a614ce5" providerId="LiveId" clId="{A1ACA6EF-0B55-4319-8FC4-0CFAEC198465}" dt="2024-08-05T22:54:20.515" v="4"/>
       <pc:docMkLst>
         <pc:docMk/>
       </pc:docMkLst>
-      <pc:sldChg chg="modSp mod modNotesTx">
-        <pc:chgData name="Fallendragon umana" userId="77ae3e3d9a614ce5" providerId="LiveId" clId="{42F9BC6A-FAF0-44EC-AAAE-CA242DE3E1D8}" dt="2024-08-02T02:42:16.249" v="543" actId="20577"/>
+      <pc:sldChg chg="modNotesTx">
+        <pc:chgData name="Fallendragon umana" userId="77ae3e3d9a614ce5" providerId="LiveId" clId="{A1ACA6EF-0B55-4319-8FC4-0CFAEC198465}" dt="2024-08-05T22:53:52.551" v="0"/>
+        <pc:sldMkLst>
+          <pc:docMk/>
+          <pc:sldMk cId="79695288" sldId="380"/>
+        </pc:sldMkLst>
+      </pc:sldChg>
+      <pc:sldChg chg="addSp delSp mod modNotesTx">
+        <pc:chgData name="Fallendragon umana" userId="77ae3e3d9a614ce5" providerId="LiveId" clId="{A1ACA6EF-0B55-4319-8FC4-0CFAEC198465}" dt="2024-08-05T22:54:07.312" v="3"/>
+        <pc:sldMkLst>
+          <pc:docMk/>
+          <pc:sldMk cId="870782436" sldId="385"/>
+        </pc:sldMkLst>
+        <pc:spChg chg="add del">
+          <ac:chgData name="Fallendragon umana" userId="77ae3e3d9a614ce5" providerId="LiveId" clId="{A1ACA6EF-0B55-4319-8FC4-0CFAEC198465}" dt="2024-08-05T22:54:04.920" v="2" actId="22"/>
+          <ac:spMkLst>
+            <pc:docMk/>
+            <pc:sldMk cId="870782436" sldId="385"/>
+            <ac:spMk id="7" creationId="{804948F9-81A4-4BC0-BFFC-2C8E9F3E82D3}"/>
+          </ac:spMkLst>
+        </pc:spChg>
+      </pc:sldChg>
+      <pc:sldChg chg="modNotesTx">
+        <pc:chgData name="Fallendragon umana" userId="77ae3e3d9a614ce5" providerId="LiveId" clId="{A1ACA6EF-0B55-4319-8FC4-0CFAEC198465}" dt="2024-08-05T22:54:20.515" v="4"/>
         <pc:sldMkLst>
           <pc:docMk/>
           <pc:sldMk cId="873525583" sldId="389"/>
         </pc:sldMkLst>
-        <pc:spChg chg="mod">
-          <ac:chgData name="Fallendragon umana" userId="77ae3e3d9a614ce5" providerId="LiveId" clId="{42F9BC6A-FAF0-44EC-AAAE-CA242DE3E1D8}" dt="2024-08-02T02:21:55.962" v="243" actId="20577"/>
-          <ac:spMkLst>
-            <pc:docMk/>
-            <pc:sldMk cId="873525583" sldId="389"/>
-            <ac:spMk id="4" creationId="{67328E6B-D306-C2F9-54E9-FD35599AC24B}"/>
-          </ac:spMkLst>
-        </pc:spChg>
       </pc:sldChg>
     </pc:docChg>
   </pc:docChgLst>
@@ -1085,18 +1123,127 @@
           <a:lstStyle/>
           <a:p>
             <a:r>
-              <a:rPr lang="en-US" dirty="0"/>
-              <a:t>Based on the linear regression showing the healthcare spending between males and females, I observed that male spending appeared more consistent, while female spending showed more fluctuations in its increase. From 2018 to 2020, healthcare expenditure for females saw an increase of approximately $1,040,366 millions, while during the same period, spending for males only increased by $961,000 millions. </a:t>
-            </a:r>
-          </a:p>
-          <a:p>
+              <a:rPr lang="en-US"/>
+              <a:t>Based on the linear regression showing the healthcare spending between males and females, I observed that male spending appeared more consistent, while female spending showed more fluctuations in its increase. From 2018 to 2020, The healthcare expenditure for females saw an increase of approximately $1,040,366(</a:t>
+            </a:r>
+            <a:r>
+              <a:rPr lang="en-US" b="0" i="0">
+                <a:solidFill>
+                  <a:srgbClr val="333333"/>
+                </a:solidFill>
+                <a:effectLst/>
+                <a:highlight>
+                  <a:srgbClr val="FFFFFF"/>
+                </a:highlight>
+                <a:latin typeface="Arial" panose="020B0604020202020204" pitchFamily="34" charset="0"/>
+              </a:rPr>
+              <a:t>one million forty thousand three hundred sixty-six)</a:t>
+            </a:r>
+            <a:r>
+              <a:rPr lang="en-US"/>
+              <a:t> millions, while during the same period, spending for males only increased by $961,000(</a:t>
+            </a:r>
+            <a:r>
+              <a:rPr lang="en-US" b="0" i="0">
+                <a:solidFill>
+                  <a:srgbClr val="333333"/>
+                </a:solidFill>
+                <a:effectLst/>
+                <a:highlight>
+                  <a:srgbClr val="FFFFFF"/>
+                </a:highlight>
+                <a:latin typeface="Arial" panose="020B0604020202020204" pitchFamily="34" charset="0"/>
+              </a:rPr>
+              <a:t>nine hundred ninety-one thousand)</a:t>
+            </a:r>
+            <a:r>
+              <a:rPr lang="en-US"/>
+              <a:t> millions. </a:t>
+            </a:r>
+          </a:p>
+          <a:p>
+            <a:endParaRPr lang="en-US"/>
+          </a:p>
+          <a:p>
+            <a:r>
+              <a:rPr lang="en-US"/>
+              <a:t>When considering both males and females, total healthcare spending between 2002 to 2018 increased by $2,001,000(</a:t>
+            </a:r>
+            <a:r>
+              <a:rPr lang="en-US" b="0" i="0">
+                <a:solidFill>
+                  <a:srgbClr val="333333"/>
+                </a:solidFill>
+                <a:effectLst/>
+                <a:highlight>
+                  <a:srgbClr val="FFFFFF"/>
+                </a:highlight>
+                <a:latin typeface="Arial" panose="020B0604020202020204" pitchFamily="34" charset="0"/>
+              </a:rPr>
+              <a:t>two million one thousand</a:t>
+            </a:r>
+            <a:br>
+              <a:rPr lang="en-US"/>
+            </a:br>
+            <a:r>
+              <a:rPr lang="en-US"/>
+              <a:t>0) millions. The largest increase occurred between 2018 and 2020, when spending rose from $ 3,019,769(</a:t>
+            </a:r>
+            <a:r>
+              <a:rPr lang="en-US" b="0" i="0">
+                <a:solidFill>
+                  <a:srgbClr val="333333"/>
+                </a:solidFill>
+                <a:effectLst/>
+                <a:highlight>
+                  <a:srgbClr val="FFFFFF"/>
+                </a:highlight>
+                <a:latin typeface="Arial" panose="020B0604020202020204" pitchFamily="34" charset="0"/>
+              </a:rPr>
+              <a:t>three million nineteen thousand seven hundred sixty-nine)</a:t>
+            </a:r>
+            <a:r>
+              <a:rPr lang="en-US"/>
+              <a:t>to $3,366,975(</a:t>
+            </a:r>
+            <a:r>
+              <a:rPr lang="en-US" b="0" i="0">
+                <a:solidFill>
+                  <a:srgbClr val="333333"/>
+                </a:solidFill>
+                <a:effectLst/>
+                <a:highlight>
+                  <a:srgbClr val="FFFFFF"/>
+                </a:highlight>
+                <a:latin typeface="Arial" panose="020B0604020202020204" pitchFamily="34" charset="0"/>
+              </a:rPr>
+              <a:t>three million three hundred sixty-six thousand nine hundred seventy-five)</a:t>
+            </a:r>
+            <a:r>
+              <a:rPr lang="en-US"/>
+              <a:t>, a difference of $647,206(</a:t>
+            </a:r>
+            <a:r>
+              <a:rPr lang="en-US" b="0" i="0">
+                <a:solidFill>
+                  <a:srgbClr val="333333"/>
+                </a:solidFill>
+                <a:effectLst/>
+                <a:highlight>
+                  <a:srgbClr val="FFFFFF"/>
+                </a:highlight>
+                <a:latin typeface="Arial" panose="020B0604020202020204" pitchFamily="34" charset="0"/>
+              </a:rPr>
+              <a:t>six hundred forty-seven thousand two hundred six</a:t>
+            </a:r>
+            <a:br>
+              <a:rPr lang="en-US"/>
+            </a:br>
+            <a:r>
+              <a:rPr lang="en-US"/>
+              <a:t>). The most likely reason for this significant increase is the impact of COVID-19, according to the provided Data. I anticipate that healthcare spending will continue to rise significantly in the coming years. </a:t>
+            </a:r>
             <a:endParaRPr lang="en-US" dirty="0"/>
-          </a:p>
-          <a:p>
-            <a:r>
-              <a:rPr lang="en-US" dirty="0"/>
-              <a:t>When considering both males and females, total healthcare spending between 2002 to 2018 increased by $2,001,000 millions. The largest increase occurred between 2018 and 2020, when spending rose from $3,019,769 to $3,366,975, a difference of $647,206. The most likely reason for this significant increase is the impact of COVID-19, which has been a persistent trend. I anticipate that healthcare spending will continue to rise significantly in the coming years. </a:t>
-            </a:r>
           </a:p>
         </p:txBody>
       </p:sp>
@@ -1180,6 +1327,129 @@
           <a:bodyPr/>
           <a:lstStyle/>
           <a:p>
+            <a:r>
+              <a:rPr lang="en-US" dirty="0"/>
+              <a:t>Based on the linear regression showing the healthcare spending between males and females, I observed that male spending appeared more consistent, while female spending showed more fluctuations in its increase. From 2018 to 2020, The healthcare expenditure for females saw an increase of approximately $1,040,366(</a:t>
+            </a:r>
+            <a:r>
+              <a:rPr lang="en-US" b="0" i="0" dirty="0">
+                <a:solidFill>
+                  <a:srgbClr val="333333"/>
+                </a:solidFill>
+                <a:effectLst/>
+                <a:highlight>
+                  <a:srgbClr val="FFFFFF"/>
+                </a:highlight>
+                <a:latin typeface="Arial" panose="020B0604020202020204" pitchFamily="34" charset="0"/>
+              </a:rPr>
+              <a:t>one million forty thousand three hundred sixty-six)</a:t>
+            </a:r>
+            <a:r>
+              <a:rPr lang="en-US" dirty="0"/>
+              <a:t> millions, while during the same period, spending for males only increased by $961,000(</a:t>
+            </a:r>
+            <a:r>
+              <a:rPr lang="en-US" b="0" i="0" dirty="0">
+                <a:solidFill>
+                  <a:srgbClr val="333333"/>
+                </a:solidFill>
+                <a:effectLst/>
+                <a:highlight>
+                  <a:srgbClr val="FFFFFF"/>
+                </a:highlight>
+                <a:latin typeface="Arial" panose="020B0604020202020204" pitchFamily="34" charset="0"/>
+              </a:rPr>
+              <a:t>nine hundred ninety-one thousand)</a:t>
+            </a:r>
+            <a:r>
+              <a:rPr lang="en-US" dirty="0"/>
+              <a:t> millions. </a:t>
+            </a:r>
+          </a:p>
+          <a:p>
+            <a:endParaRPr lang="en-US" dirty="0"/>
+          </a:p>
+          <a:p>
+            <a:r>
+              <a:rPr lang="en-US" dirty="0"/>
+              <a:t>When considering both males and females, total healthcare spending between 2002 to 2018 increased by $2,001,000(</a:t>
+            </a:r>
+            <a:r>
+              <a:rPr lang="en-US" b="0" i="0" dirty="0">
+                <a:solidFill>
+                  <a:srgbClr val="333333"/>
+                </a:solidFill>
+                <a:effectLst/>
+                <a:highlight>
+                  <a:srgbClr val="FFFFFF"/>
+                </a:highlight>
+                <a:latin typeface="Arial" panose="020B0604020202020204" pitchFamily="34" charset="0"/>
+              </a:rPr>
+              <a:t>two million one thousand</a:t>
+            </a:r>
+            <a:br>
+              <a:rPr lang="en-US" dirty="0"/>
+            </a:br>
+            <a:r>
+              <a:rPr lang="en-US" dirty="0"/>
+              <a:t>0) millions. The largest increase occurred between 2018 and 2020, when spending rose from $ 3,019,769(</a:t>
+            </a:r>
+            <a:r>
+              <a:rPr lang="en-US" b="0" i="0" dirty="0">
+                <a:solidFill>
+                  <a:srgbClr val="333333"/>
+                </a:solidFill>
+                <a:effectLst/>
+                <a:highlight>
+                  <a:srgbClr val="FFFFFF"/>
+                </a:highlight>
+                <a:latin typeface="Arial" panose="020B0604020202020204" pitchFamily="34" charset="0"/>
+              </a:rPr>
+              <a:t>three million nineteen thousand seven hundred sixty-nine)</a:t>
+            </a:r>
+            <a:r>
+              <a:rPr lang="en-US" dirty="0"/>
+              <a:t>to $3,366,975(</a:t>
+            </a:r>
+            <a:r>
+              <a:rPr lang="en-US" b="0" i="0" dirty="0">
+                <a:solidFill>
+                  <a:srgbClr val="333333"/>
+                </a:solidFill>
+                <a:effectLst/>
+                <a:highlight>
+                  <a:srgbClr val="FFFFFF"/>
+                </a:highlight>
+                <a:latin typeface="Arial" panose="020B0604020202020204" pitchFamily="34" charset="0"/>
+              </a:rPr>
+              <a:t>three million three hundred sixty-six thousand nine hundred seventy-five)</a:t>
+            </a:r>
+            <a:r>
+              <a:rPr lang="en-US" dirty="0"/>
+              <a:t>, a difference of $647,206(</a:t>
+            </a:r>
+            <a:r>
+              <a:rPr lang="en-US" b="0" i="0" dirty="0">
+                <a:solidFill>
+                  <a:srgbClr val="333333"/>
+                </a:solidFill>
+                <a:effectLst/>
+                <a:highlight>
+                  <a:srgbClr val="FFFFFF"/>
+                </a:highlight>
+                <a:latin typeface="Arial" panose="020B0604020202020204" pitchFamily="34" charset="0"/>
+              </a:rPr>
+              <a:t>six hundred forty-seven thousand two hundred six</a:t>
+            </a:r>
+            <a:br>
+              <a:rPr lang="en-US" dirty="0"/>
+            </a:br>
+            <a:r>
+              <a:rPr lang="en-US" dirty="0"/>
+              <a:t>). The most likely reason for this significant increase is the impact of COVID-19, according to the provided Data. I anticipate that healthcare spending will continue to rise significantly in the coming years. </a:t>
+            </a:r>
+          </a:p>
+          <a:p>
             <a:endParaRPr lang="en-US" dirty="0"/>
           </a:p>
         </p:txBody>
@@ -1263,6 +1533,21 @@
         <p:txBody>
           <a:bodyPr/>
           <a:lstStyle/>
+          <a:p>
+            <a:r>
+              <a:rPr lang="en-US" dirty="0"/>
+              <a:t>A few takeaways I noticed with this project was taking careful attention to the header column and what data we were trying to grab from the column which lead to wanting our years column to be our rows and problem solving for this issue. </a:t>
+            </a:r>
+          </a:p>
+          <a:p>
+            <a:endParaRPr lang="en-US" dirty="0"/>
+          </a:p>
+          <a:p>
+            <a:r>
+              <a:rPr lang="en-US" dirty="0"/>
+              <a:t>We also noticed that when we merged our projects folders, our Data Frame was causing issues due to the fact we had different punctuation and or names, which caused more cleaning; communication between teammates was also super important to understand where everyone was at when we merged our projects some things overlapped to due to lack of communication.</a:t>
+            </a:r>
+          </a:p>
           <a:p>
             <a:endParaRPr lang="en-US" dirty="0"/>
           </a:p>
@@ -15365,6 +15650,35 @@
 </file>
 
 <file path=customXml/item1.xml><?xml version="1.0" encoding="utf-8"?>
+<p:properties xmlns:p="http://schemas.microsoft.com/office/2006/metadata/properties" xmlns:xsi="http://www.w3.org/2001/XMLSchema-instance" xmlns:pc="http://schemas.microsoft.com/office/infopath/2007/PartnerControls">
+  <documentManagement>
+    <_ip_UnifiedCompliancePolicyUIAction xmlns="http://schemas.microsoft.com/sharepoint/v3" xsi:nil="true"/>
+    <Image xmlns="71af3243-3dd4-4a8d-8c0d-dd76da1f02a5">
+      <Url xsi:nil="true"/>
+      <Description xsi:nil="true"/>
+    </Image>
+    <Status xmlns="71af3243-3dd4-4a8d-8c0d-dd76da1f02a5">Not started</Status>
+    <Background xmlns="71af3243-3dd4-4a8d-8c0d-dd76da1f02a5">false</Background>
+    <_ip_UnifiedCompliancePolicyProperties xmlns="http://schemas.microsoft.com/sharepoint/v3" xsi:nil="true"/>
+    <ImageTagsTaxHTField xmlns="71af3243-3dd4-4a8d-8c0d-dd76da1f02a5">
+      <Terms xmlns="http://schemas.microsoft.com/office/infopath/2007/PartnerControls"/>
+    </ImageTagsTaxHTField>
+    <TaxCatchAll xmlns="230e9df3-be65-4c73-a93b-d1236ebd677e" xsi:nil="true"/>
+    <MediaServiceKeyPoints xmlns="71af3243-3dd4-4a8d-8c0d-dd76da1f02a5" xsi:nil="true"/>
+  </documentManagement>
+</p:properties>
+</file>
+
+<file path=customXml/item2.xml><?xml version="1.0" encoding="utf-8"?>
+<?mso-contentType ?>
+<FormTemplates xmlns="http://schemas.microsoft.com/sharepoint/v3/contenttype/forms">
+  <Display>DocumentLibraryForm</Display>
+  <Edit>DocumentLibraryForm</Edit>
+  <New>DocumentLibraryForm</New>
+</FormTemplates>
+</file>
+
+<file path=customXml/item3.xml><?xml version="1.0" encoding="utf-8"?>
 <ct:contentTypeSchema xmlns:ct="http://schemas.microsoft.com/office/2006/metadata/contentType" xmlns:ma="http://schemas.microsoft.com/office/2006/metadata/properties/metaAttributes" ct:_="" ma:_="" ma:contentTypeName="Document" ma:contentTypeID="0x01010079F111ED35F8CC479449609E8A0923A6" ma:contentTypeVersion="28" ma:contentTypeDescription="Create a new document." ma:contentTypeScope="" ma:versionID="60f5a4f2d2b0abadcf532d48ebf9cb71">
   <xsd:schema xmlns:xsd="http://www.w3.org/2001/XMLSchema" xmlns:xs="http://www.w3.org/2001/XMLSchema" xmlns:p="http://schemas.microsoft.com/office/2006/metadata/properties" xmlns:ns1="http://schemas.microsoft.com/sharepoint/v3" xmlns:ns2="71af3243-3dd4-4a8d-8c0d-dd76da1f02a5" xmlns:ns3="16c05727-aa75-4e4a-9b5f-8a80a1165891" xmlns:ns4="230e9df3-be65-4c73-a93b-d1236ebd677e" targetNamespace="http://schemas.microsoft.com/office/2006/metadata/properties" ma:root="true" ma:fieldsID="7dd78129e6a1811f84807ad11c651531" ns1:_="" ns2:_="" ns3:_="" ns4:_="">
     <xsd:import namespace="http://schemas.microsoft.com/sharepoint/v3"/>
@@ -15676,36 +15990,27 @@
 </ct:contentTypeSchema>
 </file>
 
-<file path=customXml/item2.xml><?xml version="1.0" encoding="utf-8"?>
-<?mso-contentType ?>
-<FormTemplates xmlns="http://schemas.microsoft.com/sharepoint/v3/contenttype/forms">
-  <Display>DocumentLibraryForm</Display>
-  <Edit>DocumentLibraryForm</Edit>
-  <New>DocumentLibraryForm</New>
-</FormTemplates>
+<file path=customXml/itemProps1.xml><?xml version="1.0" encoding="utf-8"?>
+<ds:datastoreItem xmlns:ds="http://schemas.openxmlformats.org/officeDocument/2006/customXml" ds:itemID="{E305301E-11B3-4B9D-A588-21F3C9809371}">
+  <ds:schemaRefs>
+    <ds:schemaRef ds:uri="http://schemas.microsoft.com/office/2006/metadata/properties"/>
+    <ds:schemaRef ds:uri="http://schemas.microsoft.com/office/infopath/2007/PartnerControls"/>
+    <ds:schemaRef ds:uri="http://schemas.microsoft.com/sharepoint/v3"/>
+    <ds:schemaRef ds:uri="71af3243-3dd4-4a8d-8c0d-dd76da1f02a5"/>
+    <ds:schemaRef ds:uri="230e9df3-be65-4c73-a93b-d1236ebd677e"/>
+  </ds:schemaRefs>
+</ds:datastoreItem>
 </file>
 
-<file path=customXml/item3.xml><?xml version="1.0" encoding="utf-8"?>
-<p:properties xmlns:p="http://schemas.microsoft.com/office/2006/metadata/properties" xmlns:xsi="http://www.w3.org/2001/XMLSchema-instance" xmlns:pc="http://schemas.microsoft.com/office/infopath/2007/PartnerControls">
-  <documentManagement>
-    <_ip_UnifiedCompliancePolicyUIAction xmlns="http://schemas.microsoft.com/sharepoint/v3" xsi:nil="true"/>
-    <Image xmlns="71af3243-3dd4-4a8d-8c0d-dd76da1f02a5">
-      <Url xsi:nil="true"/>
-      <Description xsi:nil="true"/>
-    </Image>
-    <Status xmlns="71af3243-3dd4-4a8d-8c0d-dd76da1f02a5">Not started</Status>
-    <Background xmlns="71af3243-3dd4-4a8d-8c0d-dd76da1f02a5">false</Background>
-    <_ip_UnifiedCompliancePolicyProperties xmlns="http://schemas.microsoft.com/sharepoint/v3" xsi:nil="true"/>
-    <ImageTagsTaxHTField xmlns="71af3243-3dd4-4a8d-8c0d-dd76da1f02a5">
-      <Terms xmlns="http://schemas.microsoft.com/office/infopath/2007/PartnerControls"/>
-    </ImageTagsTaxHTField>
-    <TaxCatchAll xmlns="230e9df3-be65-4c73-a93b-d1236ebd677e" xsi:nil="true"/>
-    <MediaServiceKeyPoints xmlns="71af3243-3dd4-4a8d-8c0d-dd76da1f02a5" xsi:nil="true"/>
-  </documentManagement>
-</p:properties>
+<file path=customXml/itemProps2.xml><?xml version="1.0" encoding="utf-8"?>
+<ds:datastoreItem xmlns:ds="http://schemas.openxmlformats.org/officeDocument/2006/customXml" ds:itemID="{44137456-21FC-4AE2-8A94-BF06CAF2EB9B}">
+  <ds:schemaRefs>
+    <ds:schemaRef ds:uri="http://schemas.microsoft.com/sharepoint/v3/contenttype/forms"/>
+  </ds:schemaRefs>
+</ds:datastoreItem>
 </file>
 
-<file path=customXml/itemProps1.xml><?xml version="1.0" encoding="utf-8"?>
+<file path=customXml/itemProps3.xml><?xml version="1.0" encoding="utf-8"?>
 <ds:datastoreItem xmlns:ds="http://schemas.openxmlformats.org/officeDocument/2006/customXml" ds:itemID="{C77B561B-3A65-4A22-9691-EB838E7F9B87}">
   <ds:schemaRefs>
     <ds:schemaRef ds:uri="http://schemas.microsoft.com/office/2006/metadata/contentType"/>
@@ -15726,26 +16031,6 @@
 </ds:datastoreItem>
 </file>
 
-<file path=customXml/itemProps2.xml><?xml version="1.0" encoding="utf-8"?>
-<ds:datastoreItem xmlns:ds="http://schemas.openxmlformats.org/officeDocument/2006/customXml" ds:itemID="{44137456-21FC-4AE2-8A94-BF06CAF2EB9B}">
-  <ds:schemaRefs>
-    <ds:schemaRef ds:uri="http://schemas.microsoft.com/sharepoint/v3/contenttype/forms"/>
-  </ds:schemaRefs>
-</ds:datastoreItem>
-</file>
-
-<file path=customXml/itemProps3.xml><?xml version="1.0" encoding="utf-8"?>
-<ds:datastoreItem xmlns:ds="http://schemas.openxmlformats.org/officeDocument/2006/customXml" ds:itemID="{E305301E-11B3-4B9D-A588-21F3C9809371}">
-  <ds:schemaRefs>
-    <ds:schemaRef ds:uri="http://schemas.microsoft.com/office/2006/metadata/properties"/>
-    <ds:schemaRef ds:uri="http://schemas.microsoft.com/office/infopath/2007/PartnerControls"/>
-    <ds:schemaRef ds:uri="http://schemas.microsoft.com/sharepoint/v3"/>
-    <ds:schemaRef ds:uri="71af3243-3dd4-4a8d-8c0d-dd76da1f02a5"/>
-    <ds:schemaRef ds:uri="230e9df3-be65-4c73-a93b-d1236ebd677e"/>
-  </ds:schemaRefs>
-</ds:datastoreItem>
-</file>
-
 <file path=docMetadata/LabelInfo.xml><?xml version="1.0" encoding="utf-8"?>
 <clbl:labelList xmlns:clbl="http://schemas.microsoft.com/office/2020/mipLabelMetadata"/>
 </file>